--- a/Presentation/IG21.pptx
+++ b/Presentation/IG21.pptx
@@ -9,7 +9,7 @@
     <p:notesMasterId r:id="rId5"/>
   </p:notesMasterIdLst>
   <p:handoutMasterIdLst>
-    <p:handoutMasterId r:id="rId31"/>
+    <p:handoutMasterId r:id="rId32"/>
   </p:handoutMasterIdLst>
   <p:sldIdLst>
     <p:sldId id="325" r:id="rId4"/>
@@ -37,12 +37,13 @@
     <p:sldId id="891" r:id="rId27"/>
     <p:sldId id="854" r:id="rId28"/>
     <p:sldId id="860" r:id="rId29"/>
-    <p:sldId id="858" r:id="rId30"/>
+    <p:sldId id="901" r:id="rId30"/>
+    <p:sldId id="858" r:id="rId31"/>
   </p:sldIdLst>
   <p:sldSz cx="9144000" cy="6858000" type="screen4x3"/>
   <p:notesSz cx="9942195" cy="6760845"/>
   <p:custDataLst>
-    <p:tags r:id="rId35"/>
+    <p:tags r:id="rId36"/>
   </p:custDataLst>
   <p:defaultTextStyle>
     <a:defPPr>
@@ -199,6 +200,7 @@
             <p14:sldId id="891"/>
             <p14:sldId id="854"/>
             <p14:sldId id="860"/>
+            <p14:sldId id="901"/>
             <p14:sldId id="858"/>
           </p14:sldIdLst>
         </p14:section>
@@ -13102,7 +13104,7 @@
         </p:nvGraphicFramePr>
         <p:xfrm>
           <a:off x="110168" y="881350"/>
-          <a:ext cx="8835390" cy="5475605"/>
+          <a:ext cx="8835528" cy="5475605"/>
         </p:xfrm>
         <a:graphic>
           <a:graphicData uri="http://schemas.openxmlformats.org/drawingml/2006/table">
@@ -17659,6 +17661,34 @@
               </a:rPr>
               <a:t> </a:t>
             </a:r>
+            <a:endParaRPr lang="en-GB" sz="1700">
+              <a:solidFill>
+                <a:schemeClr val="dk1"/>
+              </a:solidFill>
+              <a:latin typeface="+mn-lt"/>
+              <a:ea typeface="Helvetica Neue" panose="020B0604020202020204"/>
+              <a:cs typeface="+mn-lt"/>
+              <a:sym typeface="Helvetica Neue" panose="020B0604020202020204"/>
+            </a:endParaRPr>
+          </a:p>
+          <a:p>
+            <a:pPr marL="457200" lvl="0" indent="0" algn="just" rtl="0">
+              <a:lnSpc>
+                <a:spcPct val="150000"/>
+              </a:lnSpc>
+              <a:spcBef>
+                <a:spcPts val="490"/>
+              </a:spcBef>
+              <a:spcAft>
+                <a:spcPts val="0"/>
+              </a:spcAft>
+              <a:buClr>
+                <a:schemeClr val="dk1"/>
+              </a:buClr>
+              <a:buSzPts val="1100"/>
+              <a:buFont typeface="Arial" panose="020B0604020202020204"/>
+              <a:buNone/>
+            </a:pPr>
             <a:endParaRPr lang="en-IN" sz="1700" dirty="0">
               <a:ea typeface="Palatino" pitchFamily="2" charset="77"/>
             </a:endParaRPr>
@@ -17674,6 +17704,131 @@
 </file>
 
 <file path=ppt/slides/slide26.xml><?xml version="1.0" encoding="utf-8"?>
+<p:sld xmlns:a="http://schemas.openxmlformats.org/drawingml/2006/main" xmlns:r="http://schemas.openxmlformats.org/officeDocument/2006/relationships" xmlns:p="http://schemas.openxmlformats.org/presentationml/2006/main">
+  <p:cSld>
+    <p:spTree>
+      <p:nvGrpSpPr>
+        <p:cNvPr id="1" name=""/>
+        <p:cNvGrpSpPr/>
+        <p:nvPr/>
+      </p:nvGrpSpPr>
+      <p:grpSpPr/>
+      <p:sp>
+        <p:nvSpPr>
+          <p:cNvPr id="2" name="Title 1"/>
+          <p:cNvSpPr>
+            <a:spLocks noGrp="1" noChangeArrowheads="1"/>
+          </p:cNvSpPr>
+          <p:nvPr>
+            <p:ph type="title"/>
+          </p:nvPr>
+        </p:nvSpPr>
+        <p:spPr/>
+        <p:txBody>
+          <a:bodyPr/>
+          <a:p>
+            <a:endParaRPr lang="en-US"/>
+          </a:p>
+        </p:txBody>
+      </p:sp>
+      <p:sp>
+        <p:nvSpPr>
+          <p:cNvPr id="3" name="Content Placeholder 2"/>
+          <p:cNvSpPr>
+            <a:spLocks noGrp="1" noChangeArrowheads="1"/>
+          </p:cNvSpPr>
+          <p:nvPr>
+            <p:ph idx="1"/>
+          </p:nvPr>
+        </p:nvSpPr>
+        <p:spPr/>
+        <p:txBody>
+          <a:bodyPr/>
+          <a:p>
+            <a:r>
+              <a:rPr lang="en-US" altLang="en-US"/>
+              <a:t>[7] A. Raimondi, R. Quinn, G. R. Abhijith, G. Becciu and A. Ostfeld, “Rainwater Harvesting and Treatment: State of the Art and Perspectives,” Water, vol. 15, no. 8, p. 1518, </a:t>
+            </a:r>
+            <a:r>
+              <a:rPr lang="en-GB" altLang="en-US"/>
+              <a:t>(</a:t>
+            </a:r>
+            <a:r>
+              <a:rPr lang="en-US" altLang="en-US"/>
+              <a:t>2023</a:t>
+            </a:r>
+            <a:r>
+              <a:rPr lang="en-GB" altLang="en-US"/>
+              <a:t>)</a:t>
+            </a:r>
+            <a:r>
+              <a:rPr lang="en-US" altLang="en-US"/>
+              <a:t>. </a:t>
+            </a:r>
+            <a:r>
+              <a:rPr lang="en-US" altLang="en-US">
+                <a:hlinkClick r:id="rId1" tooltip="" action="ppaction://hlinkfile">
+                  <a:extLst>
+                    <a:ext uri="{DAF060AB-1E55-43B9-8AAB-6FB025537F2F}">
+                      <wpsdc:hlinkClr xmlns:wpsdc="http://www.wps.cn/officeDocument/2017/drawingmlCustomData" val="002060"/>
+                      <wpsdc:folHlinkClr xmlns:wpsdc="http://www.wps.cn/officeDocument/2017/drawingmlCustomData" val="0070C0"/>
+                      <wpsdc:hlinkUnderline xmlns:wpsdc="http://www.wps.cn/officeDocument/2017/drawingmlCustomData" val="1"/>
+                    </a:ext>
+                  </a:extLst>
+                </a:hlinkClick>
+              </a:rPr>
+              <a:t>https://doi.org/10.3390/w15081518</a:t>
+            </a:r>
+            <a:endParaRPr lang="en-US" altLang="en-US"/>
+          </a:p>
+          <a:p>
+            <a:r>
+              <a:rPr lang="en-US" altLang="en-US"/>
+              <a:t>[8] H. Y. Teh, A. W. Kempa-Liehr and K. I.-K. Wang, “Sensor data quality: a systematic review,” Journal of Big Data, vol. 7, art. no. 11, </a:t>
+            </a:r>
+            <a:r>
+              <a:rPr lang="en-GB" altLang="en-US"/>
+              <a:t>(</a:t>
+            </a:r>
+            <a:r>
+              <a:rPr lang="en-US" altLang="en-US"/>
+              <a:t>2020</a:t>
+            </a:r>
+            <a:r>
+              <a:rPr lang="en-GB" altLang="en-US"/>
+              <a:t>)</a:t>
+            </a:r>
+            <a:r>
+              <a:rPr lang="en-US" altLang="en-US"/>
+              <a:t>. </a:t>
+            </a:r>
+            <a:r>
+              <a:rPr lang="en-US" altLang="en-US">
+                <a:hlinkClick r:id="rId2" tooltip="" action="ppaction://hlinkfile">
+                  <a:extLst>
+                    <a:ext uri="{DAF060AB-1E55-43B9-8AAB-6FB025537F2F}">
+                      <wpsdc:hlinkClr xmlns:wpsdc="http://www.wps.cn/officeDocument/2017/drawingmlCustomData" val="002060"/>
+                      <wpsdc:folHlinkClr xmlns:wpsdc="http://www.wps.cn/officeDocument/2017/drawingmlCustomData" val="0070C0"/>
+                      <wpsdc:hlinkUnderline xmlns:wpsdc="http://www.wps.cn/officeDocument/2017/drawingmlCustomData" val="1"/>
+                    </a:ext>
+                  </a:extLst>
+                </a:hlinkClick>
+              </a:rPr>
+              <a:t>https://doi.org/10.1186/s40537-020-0285-1</a:t>
+            </a:r>
+            <a:endParaRPr lang="en-US" altLang="en-US"/>
+          </a:p>
+        </p:txBody>
+      </p:sp>
+    </p:spTree>
+  </p:cSld>
+  <p:clrMapOvr>
+    <a:masterClrMapping/>
+  </p:clrMapOvr>
+</p:sld>
+</file>
+
+<file path=ppt/slides/slide27.xml><?xml version="1.0" encoding="utf-8"?>
 <p:sld xmlns:a="http://schemas.openxmlformats.org/drawingml/2006/main" xmlns:r="http://schemas.openxmlformats.org/officeDocument/2006/relationships" xmlns:p="http://schemas.openxmlformats.org/presentationml/2006/main">
   <p:cSld>
     <p:spTree>
@@ -20046,7 +20201,7 @@
         </p:nvGraphicFramePr>
         <p:xfrm>
           <a:off x="110168" y="881348"/>
-          <a:ext cx="8923663" cy="5574701"/>
+          <a:ext cx="8923655" cy="5892165"/>
         </p:xfrm>
         <a:graphic>
           <a:graphicData uri="http://schemas.openxmlformats.org/drawingml/2006/table">
@@ -20361,37 +20516,21 @@
                   </a:tcPr>
                 </a:tc>
               </a:tr>
-              <a:tr h="1203634">
+              <a:tr h="1405890">
                 <a:tc>
                   <a:txBody>
                     <a:bodyPr/>
                     <a:lstStyle/>
                     <a:p>
-                      <a:pPr marL="0" marR="0" lvl="0" indent="0" algn="ctr" rtl="0">
-                        <a:spcBef>
-                          <a:spcPts val="0"/>
-                        </a:spcBef>
-                        <a:spcAft>
-                          <a:spcPts val="0"/>
-                        </a:spcAft>
-                        <a:buNone/>
-                      </a:pPr>
+                      <a:pPr algn="ctr"/>
                       <a:r>
-                        <a:rPr lang="en-GB" sz="1200" b="0" i="0" u="none" strike="noStrike" cap="none">
-                          <a:ea typeface="Helvetica Neue" panose="020B0604020202020204"/>
-                          <a:cs typeface="+mn-lt"/>
-                          <a:sym typeface="Helvetica Neue" panose="020B0604020202020204"/>
-                        </a:rPr>
-                        <a:t>1.</a:t>
+                        <a:rPr sz="1200"/>
+                        <a:t>1</a:t>
                       </a:r>
-                      <a:endParaRPr lang="en-GB" sz="1200" b="0" i="0" u="none" strike="noStrike" cap="none">
-                        <a:ea typeface="Helvetica Neue" panose="020B0604020202020204"/>
-                        <a:cs typeface="+mn-lt"/>
-                        <a:sym typeface="Helvetica Neue" panose="020B0604020202020204"/>
-                      </a:endParaRPr>
+                      <a:endParaRPr sz="1200"/>
                     </a:p>
                   </a:txBody>
-                  <a:tcPr marL="91450" marR="91450" marT="34300" marB="34300">
+                  <a:tcPr marL="0" marR="0" marT="0" marB="0" anchor="ctr" anchorCtr="0">
                     <a:solidFill>
                       <a:schemeClr val="accent6">
                         <a:lumMod val="60000"/>
@@ -20405,31 +20544,14 @@
                     <a:bodyPr/>
                     <a:lstStyle/>
                     <a:p>
-                      <a:pPr marL="0" marR="0" lvl="0" indent="0" algn="l" rtl="0">
-                        <a:spcBef>
-                          <a:spcPts val="0"/>
-                        </a:spcBef>
-                        <a:spcAft>
-                          <a:spcPts val="0"/>
-                        </a:spcAft>
-                        <a:buNone/>
-                      </a:pPr>
                       <a:r>
-                        <a:rPr lang="en-GB" sz="1200">
-                          <a:ea typeface="Helvetica Neue" panose="020B0604020202020204"/>
-                          <a:cs typeface="+mn-lt"/>
-                          <a:sym typeface="Helvetica Neue" panose="020B0604020202020204"/>
-                        </a:rPr>
-                        <a:t>Product Management</a:t>
+                        <a:rPr sz="1200"/>
+                        <a:t>Rainwater harvesting, treatment &amp; analytics</a:t>
                       </a:r>
-                      <a:endParaRPr lang="en-GB" sz="1200" b="0" i="0">
-                        <a:ea typeface="Helvetica Neue" panose="020B0604020202020204"/>
-                        <a:cs typeface="+mn-lt"/>
-                        <a:sym typeface="Helvetica Neue" panose="020B0604020202020204"/>
-                      </a:endParaRPr>
+                      <a:endParaRPr sz="1200"/>
                     </a:p>
                   </a:txBody>
-                  <a:tcPr marL="91450" marR="91450" marT="34300" marB="34300">
+                  <a:tcPr marL="0" marR="0" marT="0" marB="0" anchor="ctr" anchorCtr="0">
                     <a:solidFill>
                       <a:schemeClr val="accent6">
                         <a:lumMod val="60000"/>
@@ -20443,31 +20565,22 @@
                     <a:bodyPr/>
                     <a:lstStyle/>
                     <a:p>
-                      <a:pPr marL="0" marR="0" lvl="0" indent="0" algn="l" rtl="0">
-                        <a:spcBef>
-                          <a:spcPts val="0"/>
-                        </a:spcBef>
-                        <a:spcAft>
-                          <a:spcPts val="0"/>
-                        </a:spcAft>
-                        <a:buNone/>
-                      </a:pPr>
                       <a:r>
-                        <a:rPr lang="en-GB" sz="1200">
-                          <a:ea typeface="Helvetica Neue" panose="020B0604020202020204"/>
-                          <a:cs typeface="+mn-lt"/>
-                          <a:sym typeface="Helvetica Neue" panose="020B0604020202020204"/>
-                        </a:rPr>
-                        <a:t>Top 200+ Product Management Articles 2024: Essential Reads for PM Success(2024)</a:t>
+                        <a:rPr sz="1200"/>
+                        <a:t>Raimondi et al., 2023 [</a:t>
                       </a:r>
-                      <a:endParaRPr lang="en-GB" sz="1200" b="0" i="0">
-                        <a:ea typeface="Helvetica Neue" panose="020B0604020202020204"/>
-                        <a:cs typeface="+mn-lt"/>
-                        <a:sym typeface="Helvetica Neue" panose="020B0604020202020204"/>
-                      </a:endParaRPr>
+                      <a:r>
+                        <a:rPr lang="en-GB" sz="1200"/>
+                        <a:t>1</a:t>
+                      </a:r>
+                      <a:r>
+                        <a:rPr sz="1200"/>
+                        <a:t>]</a:t>
+                      </a:r>
+                      <a:endParaRPr sz="1200"/>
                     </a:p>
                   </a:txBody>
-                  <a:tcPr marL="91450" marR="91450" marT="34300" marB="34300">
+                  <a:tcPr marL="0" marR="0" marT="0" marB="0" anchor="ctr" anchorCtr="0">
                     <a:solidFill>
                       <a:schemeClr val="accent6">
                         <a:lumMod val="60000"/>
@@ -20481,31 +20594,14 @@
                     <a:bodyPr/>
                     <a:lstStyle/>
                     <a:p>
-                      <a:pPr marL="0" marR="0" lvl="0" indent="0" algn="l" rtl="0">
-                        <a:spcBef>
-                          <a:spcPts val="0"/>
-                        </a:spcBef>
-                        <a:spcAft>
-                          <a:spcPts val="0"/>
-                        </a:spcAft>
-                        <a:buNone/>
-                      </a:pPr>
                       <a:r>
-                        <a:rPr lang="en-GB" sz="1200">
-                          <a:ea typeface="Helvetica Neue" panose="020B0604020202020204"/>
-                          <a:cs typeface="+mn-lt"/>
-                          <a:sym typeface="Helvetica Neue" panose="020B0604020202020204"/>
-                        </a:rPr>
-                        <a:t>Roadmapping, prioritization frameworks</a:t>
+                        <a:rPr sz="1200"/>
+                        <a:t>RWH system assessment, monitoring frameworks, treatment methods</a:t>
                       </a:r>
-                      <a:endParaRPr lang="en-GB" sz="1200" b="0" i="0">
-                        <a:ea typeface="Helvetica Neue" panose="020B0604020202020204"/>
-                        <a:cs typeface="+mn-lt"/>
-                        <a:sym typeface="Helvetica Neue" panose="020B0604020202020204"/>
-                      </a:endParaRPr>
+                      <a:endParaRPr sz="1200"/>
                     </a:p>
                   </a:txBody>
-                  <a:tcPr marL="91450" marR="91450" marT="34300" marB="34300">
+                  <a:tcPr marL="0" marR="0" marT="0" marB="0" anchor="ctr" anchorCtr="0">
                     <a:solidFill>
                       <a:schemeClr val="accent6">
                         <a:lumMod val="60000"/>
@@ -20519,31 +20615,14 @@
                     <a:bodyPr/>
                     <a:lstStyle/>
                     <a:p>
-                      <a:pPr marL="0" marR="0" lvl="0" indent="0" algn="l" rtl="0">
-                        <a:spcBef>
-                          <a:spcPts val="0"/>
-                        </a:spcBef>
-                        <a:spcAft>
-                          <a:spcPts val="0"/>
-                        </a:spcAft>
-                        <a:buNone/>
-                      </a:pPr>
                       <a:r>
-                        <a:rPr lang="en-GB" sz="1200">
-                          <a:ea typeface="Helvetica Neue" panose="020B0604020202020204"/>
-                          <a:cs typeface="+mn-lt"/>
-                          <a:sym typeface="Helvetica Neue" panose="020B0604020202020204"/>
-                        </a:rPr>
-                        <a:t>Understood how to align product goals with customer needs</a:t>
+                        <a:rPr sz="1200"/>
+                        <a:t>Provides a detailed review of modern rainwater harvesting systems and highlights potential for integrating monitoring + analytics for better water management</a:t>
                       </a:r>
-                      <a:endParaRPr lang="en-GB" sz="1200" b="0" i="0">
-                        <a:ea typeface="Helvetica Neue" panose="020B0604020202020204"/>
-                        <a:cs typeface="+mn-lt"/>
-                        <a:sym typeface="Helvetica Neue" panose="020B0604020202020204"/>
-                      </a:endParaRPr>
+                      <a:endParaRPr sz="1200"/>
                     </a:p>
                   </a:txBody>
-                  <a:tcPr marL="91450" marR="91450" marT="34300" marB="34300">
+                  <a:tcPr marL="0" marR="0" marT="0" marB="0" anchor="ctr" anchorCtr="0">
                     <a:solidFill>
                       <a:schemeClr val="accent6">
                         <a:lumMod val="60000"/>
@@ -20557,36 +20636,14 @@
                     <a:bodyPr/>
                     <a:lstStyle/>
                     <a:p>
-                      <a:pPr marL="127000" marR="0" lvl="0" indent="-63500" algn="l" rtl="0">
-                        <a:spcBef>
-                          <a:spcPts val="0"/>
-                        </a:spcBef>
-                        <a:spcAft>
-                          <a:spcPts val="0"/>
-                        </a:spcAft>
-                        <a:buClr>
-                          <a:schemeClr val="dk1"/>
-                        </a:buClr>
-                        <a:buSzPts val="900"/>
-                        <a:buFont typeface="Arial" panose="020B0604020202020204"/>
-                        <a:buNone/>
-                      </a:pPr>
                       <a:r>
-                        <a:rPr lang="en-GB" sz="1200">
-                          <a:ea typeface="Helvetica Neue" panose="020B0604020202020204"/>
-                          <a:cs typeface="+mn-lt"/>
-                          <a:sym typeface="Helvetica Neue" panose="020B0604020202020204"/>
-                        </a:rPr>
-                        <a:t>Needs more real-world exposure</a:t>
+                        <a:rPr sz="1200"/>
+                        <a:t>Limited evidence of real-time IoT deployments; mostly conceptual review</a:t>
                       </a:r>
-                      <a:endParaRPr lang="en-GB" sz="1200" b="0" i="0">
-                        <a:ea typeface="Helvetica Neue" panose="020B0604020202020204"/>
-                        <a:cs typeface="+mn-lt"/>
-                        <a:sym typeface="Helvetica Neue" panose="020B0604020202020204"/>
-                      </a:endParaRPr>
+                      <a:endParaRPr sz="1200"/>
                     </a:p>
                   </a:txBody>
-                  <a:tcPr marL="91450" marR="91450" marT="34300" marB="34300">
+                  <a:tcPr marL="0" marR="0" marT="0" marB="0" anchor="ctr" anchorCtr="0">
                     <a:solidFill>
                       <a:schemeClr val="accent6">
                         <a:lumMod val="60000"/>
@@ -20596,37 +20653,21 @@
                   </a:tcPr>
                 </a:tc>
               </a:tr>
-              <a:tr h="1203634">
+              <a:tr h="1415415">
                 <a:tc>
                   <a:txBody>
                     <a:bodyPr/>
                     <a:lstStyle/>
                     <a:p>
-                      <a:pPr marL="0" marR="0" lvl="0" indent="0" algn="ctr" rtl="0">
-                        <a:spcBef>
-                          <a:spcPts val="0"/>
-                        </a:spcBef>
-                        <a:spcAft>
-                          <a:spcPts val="0"/>
-                        </a:spcAft>
-                        <a:buNone/>
-                      </a:pPr>
+                      <a:pPr algn="ctr"/>
                       <a:r>
-                        <a:rPr lang="en-GB" sz="1200" b="0" i="0">
-                          <a:ea typeface="Helvetica Neue" panose="020B0604020202020204"/>
-                          <a:cs typeface="+mn-lt"/>
-                          <a:sym typeface="Helvetica Neue" panose="020B0604020202020204"/>
-                        </a:rPr>
-                        <a:t>2.</a:t>
+                        <a:rPr sz="1200"/>
+                        <a:t>2</a:t>
                       </a:r>
-                      <a:endParaRPr lang="en-GB" sz="1200" b="0" i="0">
-                        <a:ea typeface="Helvetica Neue" panose="020B0604020202020204"/>
-                        <a:cs typeface="+mn-lt"/>
-                        <a:sym typeface="Helvetica Neue" panose="020B0604020202020204"/>
-                      </a:endParaRPr>
+                      <a:endParaRPr sz="1200"/>
                     </a:p>
                   </a:txBody>
-                  <a:tcPr marL="91450" marR="91450" marT="34300" marB="34300">
+                  <a:tcPr marL="0" marR="0" marT="0" marB="0" anchor="ctr" anchorCtr="0">
                     <a:solidFill>
                       <a:schemeClr val="accent6">
                         <a:lumMod val="20000"/>
@@ -20640,31 +20681,14 @@
                     <a:bodyPr/>
                     <a:lstStyle/>
                     <a:p>
-                      <a:pPr marL="0" marR="0" lvl="0" indent="0" algn="l" rtl="0">
-                        <a:spcBef>
-                          <a:spcPts val="0"/>
-                        </a:spcBef>
-                        <a:spcAft>
-                          <a:spcPts val="0"/>
-                        </a:spcAft>
-                        <a:buNone/>
-                      </a:pPr>
                       <a:r>
-                        <a:rPr lang="en-GB" sz="1200">
-                          <a:ea typeface="Helvetica Neue" panose="020B0604020202020204"/>
-                          <a:cs typeface="+mn-lt"/>
-                          <a:sym typeface="Helvetica Neue" panose="020B0604020202020204"/>
-                        </a:rPr>
-                        <a:t>Product Analysis</a:t>
+                        <a:rPr sz="1200"/>
+                        <a:t>Rainwater harvesting, treatment &amp; analytics</a:t>
                       </a:r>
-                      <a:endParaRPr lang="en-GB" sz="1200" b="0" i="0">
-                        <a:ea typeface="Helvetica Neue" panose="020B0604020202020204"/>
-                        <a:cs typeface="+mn-lt"/>
-                        <a:sym typeface="Helvetica Neue" panose="020B0604020202020204"/>
-                      </a:endParaRPr>
+                      <a:endParaRPr sz="1200"/>
                     </a:p>
                   </a:txBody>
-                  <a:tcPr marL="91450" marR="91450" marT="34300" marB="34300">
+                  <a:tcPr marL="0" marR="0" marT="0" marB="0" anchor="ctr" anchorCtr="0">
                     <a:solidFill>
                       <a:schemeClr val="accent6">
                         <a:lumMod val="20000"/>
@@ -20678,31 +20702,22 @@
                     <a:bodyPr/>
                     <a:lstStyle/>
                     <a:p>
-                      <a:pPr marL="0" marR="0" lvl="0" indent="0" algn="l" rtl="0">
-                        <a:spcBef>
-                          <a:spcPts val="0"/>
-                        </a:spcBef>
-                        <a:spcAft>
-                          <a:spcPts val="0"/>
-                        </a:spcAft>
-                        <a:buNone/>
-                      </a:pPr>
                       <a:r>
-                        <a:rPr lang="en-GB" sz="1200">
-                          <a:ea typeface="Helvetica Neue" panose="020B0604020202020204"/>
-                          <a:cs typeface="+mn-lt"/>
-                          <a:sym typeface="Helvetica Neue" panose="020B0604020202020204"/>
-                        </a:rPr>
-                        <a:t>Product Analysis in 2024: Ultimate Guide - TechMagic (2024)</a:t>
+                        <a:rPr sz="1200"/>
+                        <a:t>Raimondi et al., 2023 [</a:t>
                       </a:r>
-                      <a:endParaRPr lang="en-GB" sz="1200" b="0" i="0">
-                        <a:ea typeface="Helvetica Neue" panose="020B0604020202020204"/>
-                        <a:cs typeface="+mn-lt"/>
-                        <a:sym typeface="Helvetica Neue" panose="020B0604020202020204"/>
-                      </a:endParaRPr>
+                      <a:r>
+                        <a:rPr lang="en-GB" sz="1200"/>
+                        <a:t>2</a:t>
+                      </a:r>
+                      <a:r>
+                        <a:rPr sz="1200"/>
+                        <a:t>]</a:t>
+                      </a:r>
+                      <a:endParaRPr sz="1200"/>
                     </a:p>
                   </a:txBody>
-                  <a:tcPr marL="91450" marR="91450" marT="34300" marB="34300">
+                  <a:tcPr marL="0" marR="0" marT="0" marB="0" anchor="ctr" anchorCtr="0">
                     <a:solidFill>
                       <a:schemeClr val="accent6">
                         <a:lumMod val="20000"/>
@@ -20716,39 +20731,14 @@
                     <a:bodyPr/>
                     <a:lstStyle/>
                     <a:p>
-                      <a:pPr marL="0" marR="0" lvl="0" indent="0" algn="l" rtl="0">
-                        <a:spcBef>
-                          <a:spcPts val="0"/>
-                        </a:spcBef>
-                        <a:spcAft>
-                          <a:spcPts val="0"/>
-                        </a:spcAft>
-                        <a:buNone/>
-                      </a:pPr>
                       <a:r>
-                        <a:rPr lang="en-GB" sz="1200">
-                          <a:ea typeface="Helvetica Neue" panose="020B0604020202020204"/>
-                          <a:cs typeface="+mn-lt"/>
-                          <a:sym typeface="Helvetica Neue" panose="020B0604020202020204"/>
-                        </a:rPr>
-                        <a:t>Data </a:t>
+                        <a:rPr sz="1200"/>
+                        <a:t>RWH system assessment, monitoring frameworks, treatment methods</a:t>
                       </a:r>
-                      <a:r>
-                        <a:rPr lang="en-GB" sz="1200">
-                          <a:ea typeface="Helvetica Neue" panose="020B0604020202020204"/>
-                          <a:cs typeface="+mn-lt"/>
-                          <a:sym typeface="Helvetica Neue" panose="020B0604020202020204"/>
-                        </a:rPr>
-                        <a:t>Analysis, dashboard design</a:t>
-                      </a:r>
-                      <a:endParaRPr lang="en-GB" sz="1200" b="0" i="0">
-                        <a:ea typeface="Helvetica Neue" panose="020B0604020202020204"/>
-                        <a:cs typeface="+mn-lt"/>
-                        <a:sym typeface="Helvetica Neue" panose="020B0604020202020204"/>
-                      </a:endParaRPr>
+                      <a:endParaRPr sz="1200"/>
                     </a:p>
                   </a:txBody>
-                  <a:tcPr marL="91450" marR="91450" marT="34300" marB="34300">
+                  <a:tcPr marL="0" marR="0" marT="0" marB="0" anchor="ctr" anchorCtr="0">
                     <a:solidFill>
                       <a:schemeClr val="accent6">
                         <a:lumMod val="20000"/>
@@ -20762,31 +20752,14 @@
                     <a:bodyPr/>
                     <a:lstStyle/>
                     <a:p>
-                      <a:pPr marL="0" marR="0" lvl="0" indent="0" algn="l" rtl="0">
-                        <a:spcBef>
-                          <a:spcPts val="0"/>
-                        </a:spcBef>
-                        <a:spcAft>
-                          <a:spcPts val="0"/>
-                        </a:spcAft>
-                        <a:buNone/>
-                      </a:pPr>
                       <a:r>
-                        <a:rPr lang="en-GB" sz="1200">
-                          <a:ea typeface="Helvetica Neue" panose="020B0604020202020204"/>
-                          <a:cs typeface="+mn-lt"/>
-                          <a:sym typeface="Helvetica Neue" panose="020B0604020202020204"/>
-                        </a:rPr>
-                        <a:t>Gained skills in identifying patterns, improving usability</a:t>
+                        <a:rPr sz="1200"/>
+                        <a:t>Provides a detailed review of modern rainwater harvesting systems and highlights potential for integrating monitoring + analytics for better water management</a:t>
                       </a:r>
-                      <a:endParaRPr lang="en-GB" sz="1200" b="0" i="0">
-                        <a:ea typeface="Helvetica Neue" panose="020B0604020202020204"/>
-                        <a:cs typeface="+mn-lt"/>
-                        <a:sym typeface="Helvetica Neue" panose="020B0604020202020204"/>
-                      </a:endParaRPr>
+                      <a:endParaRPr sz="1200"/>
                     </a:p>
                   </a:txBody>
-                  <a:tcPr marL="91450" marR="91450" marT="34300" marB="34300">
+                  <a:tcPr marL="0" marR="0" marT="0" marB="0" anchor="ctr" anchorCtr="0">
                     <a:solidFill>
                       <a:schemeClr val="accent6">
                         <a:lumMod val="20000"/>
@@ -20800,36 +20773,14 @@
                     <a:bodyPr/>
                     <a:lstStyle/>
                     <a:p>
-                      <a:pPr marL="127000" marR="0" lvl="0" indent="-63500" algn="l" rtl="0">
-                        <a:spcBef>
-                          <a:spcPts val="0"/>
-                        </a:spcBef>
-                        <a:spcAft>
-                          <a:spcPts val="0"/>
-                        </a:spcAft>
-                        <a:buClr>
-                          <a:schemeClr val="dk1"/>
-                        </a:buClr>
-                        <a:buSzPts val="900"/>
-                        <a:buFont typeface="Arial" panose="020B0604020202020204"/>
-                        <a:buNone/>
-                      </a:pPr>
                       <a:r>
-                        <a:rPr lang="en-GB" sz="1200">
-                          <a:ea typeface="Helvetica Neue" panose="020B0604020202020204"/>
-                          <a:cs typeface="+mn-lt"/>
-                          <a:sym typeface="Helvetica Neue" panose="020B0604020202020204"/>
-                        </a:rPr>
-                        <a:t> Advanced analytical expertise yet to be developed</a:t>
+                        <a:rPr sz="1200"/>
+                        <a:t>Limited evidence of real-time IoT deployments; mostly conceptual review</a:t>
                       </a:r>
-                      <a:endParaRPr lang="en-GB" sz="1200" b="0" i="0">
-                        <a:ea typeface="Helvetica Neue" panose="020B0604020202020204"/>
-                        <a:cs typeface="+mn-lt"/>
-                        <a:sym typeface="Helvetica Neue" panose="020B0604020202020204"/>
-                      </a:endParaRPr>
+                      <a:endParaRPr sz="1200"/>
                     </a:p>
                   </a:txBody>
-                  <a:tcPr marL="91450" marR="91450" marT="34300" marB="34300">
+                  <a:tcPr marL="0" marR="0" marT="0" marB="0" anchor="ctr" anchorCtr="0">
                     <a:solidFill>
                       <a:schemeClr val="accent6">
                         <a:lumMod val="20000"/>
@@ -20839,7 +20790,7 @@
                   </a:tcPr>
                 </a:tc>
               </a:tr>
-              <a:tr h="1203634">
+              <a:tr h="1106805">
                 <a:tc>
                   <a:txBody>
                     <a:bodyPr/>
@@ -20869,7 +20820,7 @@
                       </a:endParaRPr>
                     </a:p>
                   </a:txBody>
-                  <a:tcPr marL="91450" marR="91450" marT="34300" marB="34300">
+                  <a:tcPr marL="91450" marR="91450" marT="34300" marB="34300" anchor="ctr" anchorCtr="0">
                     <a:solidFill>
                       <a:schemeClr val="accent6">
                         <a:lumMod val="60000"/>
@@ -20883,7 +20834,7 @@
                     <a:bodyPr/>
                     <a:lstStyle/>
                     <a:p>
-                      <a:pPr marL="0" marR="0" lvl="0" indent="0" algn="l" rtl="0">
+                      <a:pPr marL="0" marR="0" lvl="0" indent="0" algn="ctr" rtl="0">
                         <a:spcBef>
                           <a:spcPts val="0"/>
                         </a:spcBef>
@@ -20921,7 +20872,7 @@
                     <a:bodyPr/>
                     <a:lstStyle/>
                     <a:p>
-                      <a:pPr marL="0" marR="0" lvl="0" indent="0" algn="l" rtl="0">
+                      <a:pPr marL="0" marR="0" lvl="0" indent="0" algn="ctr" rtl="0">
                         <a:spcBef>
                           <a:spcPts val="0"/>
                         </a:spcBef>
@@ -20959,7 +20910,7 @@
                     <a:bodyPr/>
                     <a:lstStyle/>
                     <a:p>
-                      <a:pPr marL="0" marR="0" lvl="0" indent="0" algn="l" rtl="0">
+                      <a:pPr marL="0" marR="0" lvl="0" indent="0" algn="ctr" rtl="0">
                         <a:spcBef>
                           <a:spcPts val="0"/>
                         </a:spcBef>
@@ -21104,7 +21055,7 @@
                       </a:endParaRPr>
                     </a:p>
                   </a:txBody>
-                  <a:tcPr marL="91450" marR="91450" marT="34300" marB="34300">
+                  <a:tcPr marL="91450" marR="91450" marT="34300" marB="34300" anchor="ctr" anchorCtr="0">
                     <a:solidFill>
                       <a:schemeClr val="accent6">
                         <a:lumMod val="20000"/>
@@ -21118,7 +21069,7 @@
                     <a:bodyPr/>
                     <a:lstStyle/>
                     <a:p>
-                      <a:pPr marL="0" marR="0" lvl="0" indent="0" algn="l" rtl="0">
+                      <a:pPr marL="0" marR="0" lvl="0" indent="0" algn="ctr" rtl="0">
                         <a:spcBef>
                           <a:spcPts val="0"/>
                         </a:spcBef>
@@ -21156,7 +21107,7 @@
                     <a:bodyPr/>
                     <a:lstStyle/>
                     <a:p>
-                      <a:pPr marL="0" marR="0" lvl="0" indent="0" algn="l" rtl="0">
+                      <a:pPr marL="0" marR="0" lvl="0" indent="0" algn="ctr" rtl="0">
                         <a:spcBef>
                           <a:spcPts val="0"/>
                         </a:spcBef>
@@ -21194,7 +21145,7 @@
                     <a:bodyPr/>
                     <a:lstStyle/>
                     <a:p>
-                      <a:pPr marL="0" marR="0" lvl="0" indent="0" algn="l" rtl="0">
+                      <a:pPr marL="0" marR="0" lvl="0" indent="0" algn="ctr" rtl="0">
                         <a:spcBef>
                           <a:spcPts val="0"/>
                         </a:spcBef>
@@ -21637,11 +21588,15 @@
           <p:cNvGraphicFramePr>
             <a:graphicFrameLocks noGrp="1"/>
           </p:cNvGraphicFramePr>
-          <p:nvPr/>
+          <p:nvPr>
+            <p:custDataLst>
+              <p:tags r:id="rId1"/>
+            </p:custDataLst>
+          </p:nvPr>
         </p:nvGraphicFramePr>
         <p:xfrm>
-          <a:off x="110168" y="881348"/>
-          <a:ext cx="8923663" cy="5574701"/>
+          <a:off x="109855" y="881380"/>
+          <a:ext cx="8923655" cy="3020060"/>
         </p:xfrm>
         <a:graphic>
           <a:graphicData uri="http://schemas.openxmlformats.org/drawingml/2006/table">
@@ -21650,14 +21605,14 @@
                 <a:tableStyleId>{00A15C55-8517-42AA-B614-E9B94910E393}</a:tableStyleId>
               </a:tblPr>
               <a:tblGrid>
-                <a:gridCol w="542256"/>
-                <a:gridCol w="1760270"/>
-                <a:gridCol w="1465243"/>
-                <a:gridCol w="1421176"/>
+                <a:gridCol w="542290"/>
+                <a:gridCol w="1760220"/>
+                <a:gridCol w="1464945"/>
+                <a:gridCol w="1421765"/>
                 <a:gridCol w="1828800"/>
-                <a:gridCol w="1905918"/>
+                <a:gridCol w="1905635"/>
               </a:tblGrid>
-              <a:tr h="760165">
+              <a:tr h="708660">
                 <a:tc>
                   <a:txBody>
                     <a:bodyPr/>
@@ -21956,7 +21911,7 @@
                   </a:tcPr>
                 </a:tc>
               </a:tr>
-              <a:tr h="1203634">
+              <a:tr h="1176020">
                 <a:tc>
                   <a:txBody>
                     <a:bodyPr/>
@@ -21972,14 +21927,14 @@
                         <a:buNone/>
                       </a:pPr>
                       <a:r>
-                        <a:rPr lang="en-GB" sz="1400">
+                        <a:rPr lang="en-GB" sz="1200">
                           <a:ea typeface="Helvetica Neue" panose="020B0604020202020204"/>
                           <a:cs typeface="+mn-lt"/>
                           <a:sym typeface="Helvetica Neue" panose="020B0604020202020204"/>
                         </a:rPr>
                         <a:t>5. </a:t>
                       </a:r>
-                      <a:endParaRPr lang="en-GB" sz="1400">
+                      <a:endParaRPr lang="en-GB" sz="1200">
                         <a:ea typeface="Helvetica Neue" panose="020B0604020202020204"/>
                         <a:cs typeface="+mn-lt"/>
                         <a:sym typeface="Helvetica Neue" panose="020B0604020202020204"/>
@@ -22010,14 +21965,14 @@
                         <a:buNone/>
                       </a:pPr>
                       <a:r>
-                        <a:rPr lang="en-GB" sz="1400">
+                        <a:rPr lang="en-GB" sz="1200">
                           <a:ea typeface="Helvetica Neue" panose="020B0604020202020204"/>
                           <a:cs typeface="+mn-lt"/>
                           <a:sym typeface="Helvetica Neue" panose="020B0604020202020204"/>
                         </a:rPr>
-                        <a:t>  types of user interviews</a:t>
+                        <a:t>Types of user interviews</a:t>
                       </a:r>
-                      <a:endParaRPr lang="en-GB" sz="1400" b="0" i="0">
+                      <a:endParaRPr lang="en-GB" sz="1200" b="0" i="0">
                         <a:ea typeface="Helvetica Neue" panose="020B0604020202020204"/>
                         <a:cs typeface="+mn-lt"/>
                         <a:sym typeface="Helvetica Neue" panose="020B0604020202020204"/>
@@ -22048,14 +22003,14 @@
                         <a:buNone/>
                       </a:pPr>
                       <a:r>
-                        <a:rPr lang="en-GB" sz="1400">
+                        <a:rPr lang="en-GB" sz="1200">
                           <a:ea typeface="Helvetica Neue" panose="020B0604020202020204"/>
                           <a:cs typeface="+mn-lt"/>
                           <a:sym typeface="Helvetica Neue" panose="020B0604020202020204"/>
                         </a:rPr>
                         <a:t>The Ultimate Guide to User Interviews 2025</a:t>
                       </a:r>
-                      <a:endParaRPr lang="en-GB" sz="1400" b="0" i="0">
+                      <a:endParaRPr lang="en-GB" sz="1200" b="0" i="0">
                         <a:ea typeface="Helvetica Neue" panose="020B0604020202020204"/>
                         <a:cs typeface="+mn-lt"/>
                         <a:sym typeface="Helvetica Neue" panose="020B0604020202020204"/>
@@ -22086,14 +22041,14 @@
                         <a:buNone/>
                       </a:pPr>
                       <a:r>
-                        <a:rPr lang="en-GB" sz="1400">
+                        <a:rPr lang="en-GB" sz="1200">
                           <a:ea typeface="Helvetica Neue" panose="020B0604020202020204"/>
                           <a:cs typeface="+mn-lt"/>
                           <a:sym typeface="Helvetica Neue" panose="020B0604020202020204"/>
                         </a:rPr>
                         <a:t> Interview Techniques User Testing</a:t>
                       </a:r>
-                      <a:endParaRPr lang="en-GB" sz="1400" b="0" i="0">
+                      <a:endParaRPr lang="en-GB" sz="1200" b="0" i="0">
                         <a:ea typeface="Helvetica Neue" panose="020B0604020202020204"/>
                         <a:cs typeface="+mn-lt"/>
                         <a:sym typeface="Helvetica Neue" panose="020B0604020202020204"/>
@@ -22124,14 +22079,14 @@
                         <a:buNone/>
                       </a:pPr>
                       <a:r>
-                        <a:rPr lang="en-GB" sz="1400">
+                        <a:rPr lang="en-GB" sz="1200">
                           <a:ea typeface="Helvetica Neue" panose="020B0604020202020204"/>
                           <a:cs typeface="+mn-lt"/>
                           <a:sym typeface="Helvetica Neue" panose="020B0604020202020204"/>
                         </a:rPr>
                         <a:t> Interview Techniques User Testing Learn structured unstructured and contextual inquiry Methods</a:t>
                       </a:r>
-                      <a:endParaRPr lang="en-GB" sz="1400" b="0" i="0">
+                      <a:endParaRPr lang="en-GB" sz="1200" b="0" i="0">
                         <a:ea typeface="Helvetica Neue" panose="020B0604020202020204"/>
                         <a:cs typeface="+mn-lt"/>
                         <a:sym typeface="Helvetica Neue" panose="020B0604020202020204"/>
@@ -22167,14 +22122,14 @@
                         <a:buNone/>
                       </a:pPr>
                       <a:r>
-                        <a:rPr lang="en-GB" sz="1400">
+                        <a:rPr lang="en-GB" sz="1200">
                           <a:ea typeface="Helvetica Neue" panose="020B0604020202020204"/>
                           <a:cs typeface="+mn-lt"/>
                           <a:sym typeface="Helvetica Neue" panose="020B0604020202020204"/>
                         </a:rPr>
                         <a:t> need more practise in real world interviews</a:t>
                       </a:r>
-                      <a:endParaRPr lang="en-GB" sz="1400" b="0" i="0">
+                      <a:endParaRPr lang="en-GB" sz="1200" b="0" i="0">
                         <a:ea typeface="Helvetica Neue" panose="020B0604020202020204"/>
                         <a:cs typeface="+mn-lt"/>
                         <a:sym typeface="Helvetica Neue" panose="020B0604020202020204"/>
@@ -22191,7 +22146,7 @@
                   </a:tcPr>
                 </a:tc>
               </a:tr>
-              <a:tr h="1203634">
+              <a:tr h="1135380">
                 <a:tc>
                   <a:txBody>
                     <a:bodyPr/>
@@ -22207,14 +22162,14 @@
                         <a:buNone/>
                       </a:pPr>
                       <a:r>
-                        <a:rPr lang="en-GB" sz="1400">
+                        <a:rPr lang="en-GB" sz="1200">
                           <a:ea typeface="Helvetica Neue" panose="020B0604020202020204"/>
                           <a:cs typeface="+mn-lt"/>
                           <a:sym typeface="Helvetica Neue" panose="020B0604020202020204"/>
                         </a:rPr>
                         <a:t>6.</a:t>
                       </a:r>
-                      <a:endParaRPr lang="en-GB" sz="1400">
+                      <a:endParaRPr lang="en-GB" sz="1200">
                         <a:ea typeface="Helvetica Neue" panose="020B0604020202020204"/>
                         <a:cs typeface="+mn-lt"/>
                         <a:sym typeface="Helvetica Neue" panose="020B0604020202020204"/>
@@ -22245,14 +22200,14 @@
                         <a:buNone/>
                       </a:pPr>
                       <a:r>
-                        <a:rPr lang="en-GB" sz="1400">
+                        <a:rPr lang="en-GB" sz="1200">
                           <a:ea typeface="Helvetica Neue" panose="020B0604020202020204"/>
                           <a:cs typeface="+mn-lt"/>
                           <a:sym typeface="Helvetica Neue" panose="020B0604020202020204"/>
                         </a:rPr>
                         <a:t> Design System 101</a:t>
                       </a:r>
-                      <a:endParaRPr lang="en-GB" sz="1400" b="0" i="0">
+                      <a:endParaRPr lang="en-GB" sz="1200" b="0" i="0">
                         <a:ea typeface="Helvetica Neue" panose="020B0604020202020204"/>
                         <a:cs typeface="+mn-lt"/>
                         <a:sym typeface="Helvetica Neue" panose="020B0604020202020204"/>
@@ -22283,14 +22238,14 @@
                         <a:buNone/>
                       </a:pPr>
                       <a:r>
-                        <a:rPr lang="en-GB" sz="1400">
+                        <a:rPr lang="en-GB" sz="1200">
                           <a:ea typeface="Helvetica Neue" panose="020B0604020202020204"/>
                           <a:cs typeface="+mn-lt"/>
                           <a:sym typeface="Helvetica Neue" panose="020B0604020202020204"/>
                         </a:rPr>
                         <a:t>Lesson 1 : Welcome to design systems Figma Learn (2025)</a:t>
                       </a:r>
-                      <a:endParaRPr lang="en-GB" sz="1400" b="0" i="0">
+                      <a:endParaRPr lang="en-GB" sz="1200" b="0" i="0">
                         <a:ea typeface="Helvetica Neue" panose="020B0604020202020204"/>
                         <a:cs typeface="+mn-lt"/>
                         <a:sym typeface="Helvetica Neue" panose="020B0604020202020204"/>
@@ -22321,14 +22276,14 @@
                         <a:buNone/>
                       </a:pPr>
                       <a:r>
-                        <a:rPr lang="en-GB" sz="1400">
+                        <a:rPr lang="en-GB" sz="1200">
                           <a:ea typeface="Helvetica Neue" panose="020B0604020202020204"/>
                           <a:cs typeface="+mn-lt"/>
                           <a:sym typeface="Helvetica Neue" panose="020B0604020202020204"/>
                         </a:rPr>
                         <a:t>Design system component Libraries</a:t>
                       </a:r>
-                      <a:endParaRPr lang="en-GB" sz="1400" b="0" i="0">
+                      <a:endParaRPr lang="en-GB" sz="1200" b="0" i="0">
                         <a:ea typeface="Helvetica Neue" panose="020B0604020202020204"/>
                         <a:cs typeface="+mn-lt"/>
                         <a:sym typeface="Helvetica Neue" panose="020B0604020202020204"/>
@@ -22359,14 +22314,14 @@
                         <a:buNone/>
                       </a:pPr>
                       <a:r>
-                        <a:rPr lang="en-GB" sz="1400">
+                        <a:rPr lang="en-GB" sz="1200">
                           <a:ea typeface="Helvetica Neue" panose="020B0604020202020204"/>
                           <a:cs typeface="+mn-lt"/>
                           <a:sym typeface="Helvetica Neue" panose="020B0604020202020204"/>
                         </a:rPr>
                         <a:t>Understood our design systems create scalable, cohesive experiences</a:t>
                       </a:r>
-                      <a:endParaRPr lang="en-GB" sz="1400" b="0" i="0">
+                      <a:endParaRPr lang="en-GB" sz="1200" b="0" i="0">
                         <a:ea typeface="Helvetica Neue" panose="020B0604020202020204"/>
                         <a:cs typeface="+mn-lt"/>
                         <a:sym typeface="Helvetica Neue" panose="020B0604020202020204"/>
@@ -22402,14 +22357,558 @@
                         <a:buNone/>
                       </a:pPr>
                       <a:r>
-                        <a:rPr lang="en-GB" sz="1400">
+                        <a:rPr lang="en-GB" sz="1200">
                           <a:ea typeface="Helvetica Neue" panose="020B0604020202020204"/>
                           <a:cs typeface="+mn-lt"/>
                           <a:sym typeface="Helvetica Neue" panose="020B0604020202020204"/>
                         </a:rPr>
                         <a:t> Long term practice required to build and maintain systems</a:t>
                       </a:r>
-                      <a:endParaRPr lang="en-GB" sz="1400" b="0" i="0">
+                      <a:endParaRPr lang="en-GB" sz="1200" b="0" i="0">
+                        <a:ea typeface="Helvetica Neue" panose="020B0604020202020204"/>
+                        <a:cs typeface="+mn-lt"/>
+                        <a:sym typeface="Helvetica Neue" panose="020B0604020202020204"/>
+                      </a:endParaRPr>
+                    </a:p>
+                  </a:txBody>
+                  <a:tcPr marL="91450" marR="91450" marT="34300" marB="34300">
+                    <a:solidFill>
+                      <a:schemeClr val="accent6">
+                        <a:lumMod val="20000"/>
+                        <a:lumOff val="80000"/>
+                      </a:schemeClr>
+                    </a:solidFill>
+                  </a:tcPr>
+                </a:tc>
+              </a:tr>
+            </a:tbl>
+          </a:graphicData>
+        </a:graphic>
+      </p:graphicFrame>
+      <p:graphicFrame>
+        <p:nvGraphicFramePr>
+          <p:cNvPr id="3" name="Table 2"/>
+          <p:cNvGraphicFramePr>
+            <a:graphicFrameLocks noGrp="1"/>
+          </p:cNvGraphicFramePr>
+          <p:nvPr/>
+        </p:nvGraphicFramePr>
+        <p:xfrm>
+          <a:off x="109855" y="3904615"/>
+          <a:ext cx="8923655" cy="2326640"/>
+        </p:xfrm>
+        <a:graphic>
+          <a:graphicData uri="http://schemas.openxmlformats.org/drawingml/2006/table">
+            <a:tbl>
+              <a:tblPr firstRow="1" bandRow="1">
+                <a:tableStyleId>{00A15C55-8517-42AA-B614-E9B94910E393}</a:tableStyleId>
+              </a:tblPr>
+              <a:tblGrid>
+                <a:gridCol w="542290"/>
+                <a:gridCol w="1760220"/>
+                <a:gridCol w="1464945"/>
+                <a:gridCol w="1421765"/>
+                <a:gridCol w="1828800"/>
+                <a:gridCol w="1905635"/>
+              </a:tblGrid>
+              <a:tr h="1136650">
+                <a:tc>
+                  <a:txBody>
+                    <a:bodyPr/>
+                    <a:lstStyle/>
+                    <a:p>
+                      <a:pPr marL="0" marR="0" lvl="0" indent="0" algn="ctr" rtl="0">
+                        <a:spcBef>
+                          <a:spcPts val="0"/>
+                        </a:spcBef>
+                        <a:spcAft>
+                          <a:spcPts val="0"/>
+                        </a:spcAft>
+                        <a:buNone/>
+                      </a:pPr>
+                      <a:r>
+                        <a:rPr lang="en-GB" sz="1200" b="0" i="0" u="none" strike="noStrike" cap="none">
+                          <a:solidFill>
+                            <a:schemeClr val="tx1"/>
+                          </a:solidFill>
+                          <a:ea typeface="Helvetica Neue" panose="020B0604020202020204"/>
+                          <a:cs typeface="+mn-lt"/>
+                          <a:sym typeface="Helvetica Neue" panose="020B0604020202020204"/>
+                        </a:rPr>
+                        <a:t>7.</a:t>
+                      </a:r>
+                      <a:endParaRPr lang="en-GB" sz="1200" b="0" i="0" u="none" strike="noStrike" cap="none">
+                        <a:solidFill>
+                          <a:schemeClr val="tx1"/>
+                        </a:solidFill>
+                        <a:ea typeface="Helvetica Neue" panose="020B0604020202020204"/>
+                        <a:cs typeface="+mn-lt"/>
+                        <a:sym typeface="Helvetica Neue" panose="020B0604020202020204"/>
+                      </a:endParaRPr>
+                    </a:p>
+                  </a:txBody>
+                  <a:tcPr marL="91450" marR="91450" marT="34300" marB="34300">
+                    <a:solidFill>
+                      <a:schemeClr val="accent6">
+                        <a:lumMod val="60000"/>
+                        <a:lumOff val="40000"/>
+                      </a:schemeClr>
+                    </a:solidFill>
+                  </a:tcPr>
+                </a:tc>
+                <a:tc>
+                  <a:txBody>
+                    <a:bodyPr/>
+                    <a:lstStyle/>
+                    <a:p>
+                      <a:pPr marL="0" marR="0" lvl="0" indent="0" algn="l" rtl="0">
+                        <a:spcBef>
+                          <a:spcPts val="0"/>
+                        </a:spcBef>
+                        <a:spcAft>
+                          <a:spcPts val="0"/>
+                        </a:spcAft>
+                        <a:buNone/>
+                      </a:pPr>
+                      <a:r>
+                        <a:rPr lang="en-GB" sz="1200" b="0">
+                          <a:solidFill>
+                            <a:schemeClr val="tx1"/>
+                          </a:solidFill>
+                          <a:ea typeface="Helvetica Neue" panose="020B0604020202020204"/>
+                          <a:cs typeface="+mn-lt"/>
+                          <a:sym typeface="Helvetica Neue" panose="020B0604020202020204"/>
+                        </a:rPr>
+                        <a:t>Product Management</a:t>
+                      </a:r>
+                      <a:endParaRPr lang="en-GB" sz="1200" b="0" i="0">
+                        <a:solidFill>
+                          <a:schemeClr val="tx1"/>
+                        </a:solidFill>
+                        <a:ea typeface="Helvetica Neue" panose="020B0604020202020204"/>
+                        <a:cs typeface="+mn-lt"/>
+                        <a:sym typeface="Helvetica Neue" panose="020B0604020202020204"/>
+                      </a:endParaRPr>
+                    </a:p>
+                  </a:txBody>
+                  <a:tcPr marL="91450" marR="91450" marT="34300" marB="34300">
+                    <a:solidFill>
+                      <a:schemeClr val="accent6">
+                        <a:lumMod val="60000"/>
+                        <a:lumOff val="40000"/>
+                      </a:schemeClr>
+                    </a:solidFill>
+                  </a:tcPr>
+                </a:tc>
+                <a:tc>
+                  <a:txBody>
+                    <a:bodyPr/>
+                    <a:lstStyle/>
+                    <a:p>
+                      <a:pPr marL="0" marR="0" lvl="0" indent="0" algn="l" rtl="0">
+                        <a:spcBef>
+                          <a:spcPts val="0"/>
+                        </a:spcBef>
+                        <a:spcAft>
+                          <a:spcPts val="0"/>
+                        </a:spcAft>
+                        <a:buNone/>
+                      </a:pPr>
+                      <a:r>
+                        <a:rPr lang="en-GB" sz="1200" b="0">
+                          <a:solidFill>
+                            <a:schemeClr val="tx1"/>
+                          </a:solidFill>
+                          <a:ea typeface="Helvetica Neue" panose="020B0604020202020204"/>
+                          <a:cs typeface="+mn-lt"/>
+                          <a:sym typeface="Helvetica Neue" panose="020B0604020202020204"/>
+                        </a:rPr>
+                        <a:t>Top 200+ Product Management Articles 2024: Essential Reads for PM Success(2024)</a:t>
+                      </a:r>
+                      <a:endParaRPr lang="en-GB" sz="1200" b="0" i="0">
+                        <a:solidFill>
+                          <a:schemeClr val="tx1"/>
+                        </a:solidFill>
+                        <a:ea typeface="Helvetica Neue" panose="020B0604020202020204"/>
+                        <a:cs typeface="+mn-lt"/>
+                        <a:sym typeface="Helvetica Neue" panose="020B0604020202020204"/>
+                      </a:endParaRPr>
+                    </a:p>
+                  </a:txBody>
+                  <a:tcPr marL="91450" marR="91450" marT="34300" marB="34300">
+                    <a:solidFill>
+                      <a:schemeClr val="accent6">
+                        <a:lumMod val="60000"/>
+                        <a:lumOff val="40000"/>
+                      </a:schemeClr>
+                    </a:solidFill>
+                  </a:tcPr>
+                </a:tc>
+                <a:tc>
+                  <a:txBody>
+                    <a:bodyPr/>
+                    <a:lstStyle/>
+                    <a:p>
+                      <a:pPr marL="0" marR="0" lvl="0" indent="0" algn="l" rtl="0">
+                        <a:spcBef>
+                          <a:spcPts val="0"/>
+                        </a:spcBef>
+                        <a:spcAft>
+                          <a:spcPts val="0"/>
+                        </a:spcAft>
+                        <a:buNone/>
+                      </a:pPr>
+                      <a:r>
+                        <a:rPr lang="en-GB" sz="1200" b="0">
+                          <a:solidFill>
+                            <a:schemeClr val="tx1"/>
+                          </a:solidFill>
+                          <a:ea typeface="Helvetica Neue" panose="020B0604020202020204"/>
+                          <a:cs typeface="+mn-lt"/>
+                          <a:sym typeface="Helvetica Neue" panose="020B0604020202020204"/>
+                        </a:rPr>
+                        <a:t>Roadmapping, prioritization frameworks</a:t>
+                      </a:r>
+                      <a:endParaRPr lang="en-GB" sz="1200" b="0" i="0">
+                        <a:solidFill>
+                          <a:schemeClr val="tx1"/>
+                        </a:solidFill>
+                        <a:ea typeface="Helvetica Neue" panose="020B0604020202020204"/>
+                        <a:cs typeface="+mn-lt"/>
+                        <a:sym typeface="Helvetica Neue" panose="020B0604020202020204"/>
+                      </a:endParaRPr>
+                    </a:p>
+                  </a:txBody>
+                  <a:tcPr marL="91450" marR="91450" marT="34300" marB="34300">
+                    <a:solidFill>
+                      <a:schemeClr val="accent6">
+                        <a:lumMod val="60000"/>
+                        <a:lumOff val="40000"/>
+                      </a:schemeClr>
+                    </a:solidFill>
+                  </a:tcPr>
+                </a:tc>
+                <a:tc>
+                  <a:txBody>
+                    <a:bodyPr/>
+                    <a:lstStyle/>
+                    <a:p>
+                      <a:pPr marL="0" marR="0" lvl="0" indent="0" algn="l" rtl="0">
+                        <a:spcBef>
+                          <a:spcPts val="0"/>
+                        </a:spcBef>
+                        <a:spcAft>
+                          <a:spcPts val="0"/>
+                        </a:spcAft>
+                        <a:buNone/>
+                      </a:pPr>
+                      <a:r>
+                        <a:rPr lang="en-GB" sz="1200" b="0">
+                          <a:solidFill>
+                            <a:schemeClr val="tx1"/>
+                          </a:solidFill>
+                          <a:ea typeface="Helvetica Neue" panose="020B0604020202020204"/>
+                          <a:cs typeface="+mn-lt"/>
+                          <a:sym typeface="Helvetica Neue" panose="020B0604020202020204"/>
+                        </a:rPr>
+                        <a:t>Understood how to align product goals with customer needs</a:t>
+                      </a:r>
+                      <a:endParaRPr lang="en-GB" sz="1200" b="0" i="0">
+                        <a:solidFill>
+                          <a:schemeClr val="tx1"/>
+                        </a:solidFill>
+                        <a:ea typeface="Helvetica Neue" panose="020B0604020202020204"/>
+                        <a:cs typeface="+mn-lt"/>
+                        <a:sym typeface="Helvetica Neue" panose="020B0604020202020204"/>
+                      </a:endParaRPr>
+                    </a:p>
+                  </a:txBody>
+                  <a:tcPr marL="91450" marR="91450" marT="34300" marB="34300">
+                    <a:solidFill>
+                      <a:schemeClr val="accent6">
+                        <a:lumMod val="60000"/>
+                        <a:lumOff val="40000"/>
+                      </a:schemeClr>
+                    </a:solidFill>
+                  </a:tcPr>
+                </a:tc>
+                <a:tc>
+                  <a:txBody>
+                    <a:bodyPr/>
+                    <a:lstStyle/>
+                    <a:p>
+                      <a:pPr marL="127000" marR="0" lvl="0" indent="-63500" algn="l" rtl="0">
+                        <a:spcBef>
+                          <a:spcPts val="0"/>
+                        </a:spcBef>
+                        <a:spcAft>
+                          <a:spcPts val="0"/>
+                        </a:spcAft>
+                        <a:buClr>
+                          <a:schemeClr val="dk1"/>
+                        </a:buClr>
+                        <a:buSzPts val="900"/>
+                        <a:buFont typeface="Arial" panose="020B0604020202020204"/>
+                        <a:buNone/>
+                      </a:pPr>
+                      <a:r>
+                        <a:rPr lang="en-GB" sz="1200" b="0">
+                          <a:solidFill>
+                            <a:schemeClr val="tx1"/>
+                          </a:solidFill>
+                          <a:ea typeface="Helvetica Neue" panose="020B0604020202020204"/>
+                          <a:cs typeface="+mn-lt"/>
+                          <a:sym typeface="Helvetica Neue" panose="020B0604020202020204"/>
+                        </a:rPr>
+                        <a:t>Needs more real-world exposure</a:t>
+                      </a:r>
+                      <a:endParaRPr lang="en-GB" sz="1200" b="0" i="0">
+                        <a:solidFill>
+                          <a:schemeClr val="tx1"/>
+                        </a:solidFill>
+                        <a:ea typeface="Helvetica Neue" panose="020B0604020202020204"/>
+                        <a:cs typeface="+mn-lt"/>
+                        <a:sym typeface="Helvetica Neue" panose="020B0604020202020204"/>
+                      </a:endParaRPr>
+                    </a:p>
+                  </a:txBody>
+                  <a:tcPr marL="91450" marR="91450" marT="34300" marB="34300">
+                    <a:solidFill>
+                      <a:schemeClr val="accent6">
+                        <a:lumMod val="60000"/>
+                        <a:lumOff val="40000"/>
+                      </a:schemeClr>
+                    </a:solidFill>
+                  </a:tcPr>
+                </a:tc>
+              </a:tr>
+              <a:tr h="1160780">
+                <a:tc>
+                  <a:txBody>
+                    <a:bodyPr/>
+                    <a:lstStyle/>
+                    <a:p>
+                      <a:pPr marL="0" marR="0" lvl="0" indent="0" algn="ctr" rtl="0">
+                        <a:spcBef>
+                          <a:spcPts val="0"/>
+                        </a:spcBef>
+                        <a:spcAft>
+                          <a:spcPts val="0"/>
+                        </a:spcAft>
+                        <a:buNone/>
+                      </a:pPr>
+                      <a:r>
+                        <a:rPr lang="en-GB" sz="1200" b="0" i="0">
+                          <a:ea typeface="Helvetica Neue" panose="020B0604020202020204"/>
+                          <a:cs typeface="+mn-lt"/>
+                          <a:sym typeface="Helvetica Neue" panose="020B0604020202020204"/>
+                        </a:rPr>
+                        <a:t>8.</a:t>
+                      </a:r>
+                      <a:endParaRPr lang="en-GB" sz="1200" b="0" i="0">
+                        <a:ea typeface="Helvetica Neue" panose="020B0604020202020204"/>
+                        <a:cs typeface="+mn-lt"/>
+                        <a:sym typeface="Helvetica Neue" panose="020B0604020202020204"/>
+                      </a:endParaRPr>
+                    </a:p>
+                  </a:txBody>
+                  <a:tcPr marL="91450" marR="91450" marT="34300" marB="34300">
+                    <a:solidFill>
+                      <a:schemeClr val="accent6">
+                        <a:lumMod val="20000"/>
+                        <a:lumOff val="80000"/>
+                      </a:schemeClr>
+                    </a:solidFill>
+                  </a:tcPr>
+                </a:tc>
+                <a:tc>
+                  <a:txBody>
+                    <a:bodyPr/>
+                    <a:lstStyle/>
+                    <a:p>
+                      <a:pPr marL="0" marR="0" lvl="0" indent="0" algn="l" rtl="0">
+                        <a:spcBef>
+                          <a:spcPts val="0"/>
+                        </a:spcBef>
+                        <a:spcAft>
+                          <a:spcPts val="0"/>
+                        </a:spcAft>
+                        <a:buNone/>
+                      </a:pPr>
+                      <a:r>
+                        <a:rPr lang="en-GB" sz="1200">
+                          <a:ea typeface="Helvetica Neue" panose="020B0604020202020204"/>
+                          <a:cs typeface="+mn-lt"/>
+                          <a:sym typeface="Helvetica Neue" panose="020B0604020202020204"/>
+                        </a:rPr>
+                        <a:t>Product Analysis</a:t>
+                      </a:r>
+                      <a:endParaRPr lang="en-GB" sz="1200" b="0" i="0">
+                        <a:ea typeface="Helvetica Neue" panose="020B0604020202020204"/>
+                        <a:cs typeface="+mn-lt"/>
+                        <a:sym typeface="Helvetica Neue" panose="020B0604020202020204"/>
+                      </a:endParaRPr>
+                    </a:p>
+                  </a:txBody>
+                  <a:tcPr marL="91450" marR="91450" marT="34300" marB="34300">
+                    <a:solidFill>
+                      <a:schemeClr val="accent6">
+                        <a:lumMod val="20000"/>
+                        <a:lumOff val="80000"/>
+                      </a:schemeClr>
+                    </a:solidFill>
+                  </a:tcPr>
+                </a:tc>
+                <a:tc>
+                  <a:txBody>
+                    <a:bodyPr/>
+                    <a:lstStyle/>
+                    <a:p>
+                      <a:pPr marL="0" marR="0" lvl="0" indent="0" algn="l" rtl="0">
+                        <a:spcBef>
+                          <a:spcPts val="0"/>
+                        </a:spcBef>
+                        <a:spcAft>
+                          <a:spcPts val="0"/>
+                        </a:spcAft>
+                        <a:buNone/>
+                      </a:pPr>
+                      <a:r>
+                        <a:rPr lang="en-GB" sz="1200">
+                          <a:ea typeface="Helvetica Neue" panose="020B0604020202020204"/>
+                          <a:cs typeface="+mn-lt"/>
+                          <a:sym typeface="Helvetica Neue" panose="020B0604020202020204"/>
+                        </a:rPr>
+                        <a:t>Product Analysis in 2024: Ultimate Guide - TechMagic (2024)</a:t>
+                      </a:r>
+                      <a:endParaRPr lang="en-GB" sz="1200" b="0" i="0">
+                        <a:ea typeface="Helvetica Neue" panose="020B0604020202020204"/>
+                        <a:cs typeface="+mn-lt"/>
+                        <a:sym typeface="Helvetica Neue" panose="020B0604020202020204"/>
+                      </a:endParaRPr>
+                    </a:p>
+                  </a:txBody>
+                  <a:tcPr marL="91450" marR="91450" marT="34300" marB="34300">
+                    <a:solidFill>
+                      <a:schemeClr val="accent6">
+                        <a:lumMod val="20000"/>
+                        <a:lumOff val="80000"/>
+                      </a:schemeClr>
+                    </a:solidFill>
+                  </a:tcPr>
+                </a:tc>
+                <a:tc>
+                  <a:txBody>
+                    <a:bodyPr/>
+                    <a:lstStyle/>
+                    <a:p>
+                      <a:pPr marL="0" marR="0" lvl="0" indent="0" algn="l" rtl="0">
+                        <a:spcBef>
+                          <a:spcPts val="0"/>
+                        </a:spcBef>
+                        <a:spcAft>
+                          <a:spcPts val="0"/>
+                        </a:spcAft>
+                        <a:buNone/>
+                      </a:pPr>
+                      <a:r>
+                        <a:rPr lang="en-GB" sz="1200">
+                          <a:ea typeface="Helvetica Neue" panose="020B0604020202020204"/>
+                          <a:cs typeface="+mn-lt"/>
+                          <a:sym typeface="Helvetica Neue" panose="020B0604020202020204"/>
+                        </a:rPr>
+                        <a:t>Data </a:t>
+                      </a:r>
+                      <a:r>
+                        <a:rPr lang="en-GB" sz="1200">
+                          <a:ea typeface="Helvetica Neue" panose="020B0604020202020204"/>
+                          <a:cs typeface="+mn-lt"/>
+                          <a:sym typeface="Helvetica Neue" panose="020B0604020202020204"/>
+                        </a:rPr>
+                        <a:t>Analysis, dashboard design</a:t>
+                      </a:r>
+                      <a:endParaRPr lang="en-GB" sz="1200" b="0" i="0">
+                        <a:ea typeface="Helvetica Neue" panose="020B0604020202020204"/>
+                        <a:cs typeface="+mn-lt"/>
+                        <a:sym typeface="Helvetica Neue" panose="020B0604020202020204"/>
+                      </a:endParaRPr>
+                    </a:p>
+                  </a:txBody>
+                  <a:tcPr marL="91450" marR="91450" marT="34300" marB="34300">
+                    <a:solidFill>
+                      <a:schemeClr val="accent6">
+                        <a:lumMod val="20000"/>
+                        <a:lumOff val="80000"/>
+                      </a:schemeClr>
+                    </a:solidFill>
+                  </a:tcPr>
+                </a:tc>
+                <a:tc>
+                  <a:txBody>
+                    <a:bodyPr/>
+                    <a:lstStyle/>
+                    <a:p>
+                      <a:pPr marL="0" marR="0" lvl="0" indent="0" algn="l" rtl="0">
+                        <a:spcBef>
+                          <a:spcPts val="0"/>
+                        </a:spcBef>
+                        <a:spcAft>
+                          <a:spcPts val="0"/>
+                        </a:spcAft>
+                        <a:buNone/>
+                      </a:pPr>
+                      <a:r>
+                        <a:rPr lang="en-GB" sz="1200">
+                          <a:ea typeface="Helvetica Neue" panose="020B0604020202020204"/>
+                          <a:cs typeface="+mn-lt"/>
+                          <a:sym typeface="Helvetica Neue" panose="020B0604020202020204"/>
+                        </a:rPr>
+                        <a:t>Gained skills in identifying patterns, improving usability</a:t>
+                      </a:r>
+                      <a:endParaRPr lang="en-GB" sz="1200" b="0" i="0">
+                        <a:ea typeface="Helvetica Neue" panose="020B0604020202020204"/>
+                        <a:cs typeface="+mn-lt"/>
+                        <a:sym typeface="Helvetica Neue" panose="020B0604020202020204"/>
+                      </a:endParaRPr>
+                    </a:p>
+                  </a:txBody>
+                  <a:tcPr marL="91450" marR="91450" marT="34300" marB="34300">
+                    <a:solidFill>
+                      <a:schemeClr val="accent6">
+                        <a:lumMod val="20000"/>
+                        <a:lumOff val="80000"/>
+                      </a:schemeClr>
+                    </a:solidFill>
+                  </a:tcPr>
+                </a:tc>
+                <a:tc>
+                  <a:txBody>
+                    <a:bodyPr/>
+                    <a:lstStyle/>
+                    <a:p>
+                      <a:pPr marL="127000" marR="0" lvl="0" indent="-63500" algn="l" rtl="0">
+                        <a:spcBef>
+                          <a:spcPts val="0"/>
+                        </a:spcBef>
+                        <a:spcAft>
+                          <a:spcPts val="0"/>
+                        </a:spcAft>
+                        <a:buClr>
+                          <a:schemeClr val="dk1"/>
+                        </a:buClr>
+                        <a:buSzPts val="900"/>
+                        <a:buFont typeface="Arial" panose="020B0604020202020204"/>
+                        <a:buNone/>
+                      </a:pPr>
+                      <a:r>
+                        <a:rPr lang="en-GB" sz="1200">
+                          <a:ea typeface="Helvetica Neue" panose="020B0604020202020204"/>
+                          <a:cs typeface="+mn-lt"/>
+                          <a:sym typeface="Helvetica Neue" panose="020B0604020202020204"/>
+                        </a:rPr>
+                        <a:t> Advanced analytical expertise yet to be developed</a:t>
+                      </a:r>
+                      <a:endParaRPr lang="en-GB" sz="1200" b="0" i="0">
                         <a:ea typeface="Helvetica Neue" panose="020B0604020202020204"/>
                         <a:cs typeface="+mn-lt"/>
                         <a:sym typeface="Helvetica Neue" panose="020B0604020202020204"/>
@@ -23266,19 +23765,26 @@
 
 <file path=ppt/tags/tag1.xml><?xml version="1.0" encoding="utf-8"?>
 <p:tagLst xmlns:p="http://schemas.openxmlformats.org/presentationml/2006/main">
+  <p:tag name="TABLE_ENDDRAG_ORIGIN_RECT" val="702*251"/>
+  <p:tag name="TABLE_ENDDRAG_RECT" val="8*69*702*251"/>
+</p:tagLst>
+</file>
+
+<file path=ppt/tags/tag2.xml><?xml version="1.0" encoding="utf-8"?>
+<p:tagLst xmlns:p="http://schemas.openxmlformats.org/presentationml/2006/main">
   <p:tag name="TABLE_ENDDRAG_ORIGIN_RECT" val="706*434"/>
   <p:tag name="TABLE_ENDDRAG_RECT" val="8*69*706*434"/>
 </p:tagLst>
 </file>
 
-<file path=ppt/tags/tag2.xml><?xml version="1.0" encoding="utf-8"?>
+<file path=ppt/tags/tag3.xml><?xml version="1.0" encoding="utf-8"?>
 <p:tagLst xmlns:p="http://schemas.openxmlformats.org/presentationml/2006/main">
   <p:tag name="TABLE_ENDDRAG_ORIGIN_RECT" val="705*424"/>
   <p:tag name="TABLE_ENDDRAG_RECT" val="6*57*705*424"/>
 </p:tagLst>
 </file>
 
-<file path=ppt/tags/tag3.xml><?xml version="1.0" encoding="utf-8"?>
+<file path=ppt/tags/tag4.xml><?xml version="1.0" encoding="utf-8"?>
 <p:tagLst xmlns:p="http://schemas.openxmlformats.org/presentationml/2006/main">
   <p:tag name="MMPROD_NEXTUNIQUEID" val="10009"/>
   <p:tag name="MMPROD_UIDATA" val="&lt;database version=&quot;11.0&quot;&gt;&lt;object type=&quot;1&quot; unique_id=&quot;10001&quot;&gt;&lt;object type=&quot;2&quot; unique_id=&quot;10316&quot;&gt;&lt;object type=&quot;3&quot; unique_id=&quot;10317&quot;&gt;&lt;property id=&quot;20148&quot; value=&quot;5&quot;/&gt;&lt;property id=&quot;20300&quot; value=&quot;Slide 1 - &amp;quot;A Novel Framework for Analysis of Big Data&amp;quot;&quot;/&gt;&lt;property id=&quot;20307&quot; value=&quot;325&quot;/&gt;&lt;/object&gt;&lt;object type=&quot;3&quot; unique_id=&quot;10325&quot;&gt;&lt;property id=&quot;20148&quot; value=&quot;5&quot;/&gt;&lt;property id=&quot;20300&quot; value=&quot;Slide 3 - &amp;quot;Introduction&amp;quot;&quot;/&gt;&lt;property id=&quot;20307&quot; value=&quot;392&quot;/&gt;&lt;/object&gt;&lt;object type=&quot;3&quot; unique_id=&quot;10327&quot;&gt;&lt;property id=&quot;20148&quot; value=&quot;5&quot;/&gt;&lt;property id=&quot;20300&quot; value=&quot;Slide 4 - &amp;quot;Introduction (cont…)&amp;quot;&quot;/&gt;&lt;property id=&quot;20307&quot; value=&quot;395&quot;/&gt;&lt;/object&gt;&lt;object type=&quot;3&quot; unique_id=&quot;10333&quot;&gt;&lt;property id=&quot;20148&quot; value=&quot;5&quot;/&gt;&lt;property id=&quot;20300&quot; value=&quot;Slide 5 - &amp;quot;Big Data – A Definition&amp;quot;&quot;/&gt;&lt;property id=&quot;20307&quot; value=&quot;386&quot;/&gt;&lt;/object&gt;&lt;object type=&quot;3&quot; unique_id=&quot;10334&quot;&gt;&lt;property id=&quot;20148&quot; value=&quot;5&quot;/&gt;&lt;property id=&quot;20300&quot; value=&quot;Slide 6 - &amp;quot;Characteristics of Big Data&amp;quot;&quot;/&gt;&lt;property id=&quot;20307&quot; value=&quot;355&quot;/&gt;&lt;/object&gt;&lt;object type=&quot;3&quot; unique_id=&quot;10339&quot;&gt;&lt;property id=&quot;20148&quot; value=&quot;5&quot;/&gt;&lt;property id=&quot;20300&quot; value=&quot;Slide 7 - &amp;quot;Big Data Analytics&amp;quot;&quot;/&gt;&lt;property id=&quot;20307&quot; value=&quot;387&quot;/&gt;&lt;/object&gt;&lt;object type=&quot;3&quot; unique_id=&quot;10369&quot;&gt;&lt;property id=&quot;20148&quot; value=&quot;5&quot;/&gt;&lt;property id=&quot;20300&quot; value=&quot;Slide 8 - &amp;quot;List of Development Tools&amp;quot;&quot;/&gt;&lt;property id=&quot;20307&quot; value=&quot;505&quot;/&gt;&lt;/object&gt;&lt;object type=&quot;3&quot; unique_id=&quot;10371&quot;&gt;&lt;property id=&quot;20148&quot; value=&quot;5&quot;/&gt;&lt;property id=&quot;20300&quot; value=&quot;Slide 11 - &amp;quot;Malware Classification: A Case Study&amp;quot;&quot;/&gt;&lt;property id=&quot;20307&quot; value=&quot;514&quot;/&gt;&lt;/object&gt;&lt;object type=&quot;3&quot; unique_id=&quot;10372&quot;&gt;&lt;property id=&quot;20148&quot; value=&quot;5&quot;/&gt;&lt;property id=&quot;20300&quot; value=&quot;Slide 55&quot;/&gt;&lt;property id=&quot;20307&quot; value=&quot;452&quot;/&gt;&lt;/object&gt;&lt;object type=&quot;3&quot; unique_id=&quot;11475&quot;&gt;&lt;property id=&quot;20148&quot; value=&quot;5&quot;/&gt;&lt;property id=&quot;20300&quot; value=&quot;Slide 2 - &amp;quot;Outline&amp;quot;&quot;/&gt;&lt;property id=&quot;20307&quot; value=&quot;516&quot;/&gt;&lt;/object&gt;&lt;object type=&quot;3&quot; unique_id=&quot;11477&quot;&gt;&lt;property id=&quot;20148&quot; value=&quot;5&quot;/&gt;&lt;property id=&quot;20300&quot; value=&quot;Slide 21 - &amp;quot;Research Gaps&amp;quot;&quot;/&gt;&lt;property id=&quot;20307&quot; value=&quot;517&quot;/&gt;&lt;/object&gt;&lt;object type=&quot;3&quot; unique_id=&quot;11478&quot;&gt;&lt;property id=&quot;20148&quot; value=&quot;5&quot;/&gt;&lt;property id=&quot;20300&quot; value=&quot;Slide 22 - &amp;quot;Research Gaps (Cont…)&amp;quot;&quot;/&gt;&lt;property id=&quot;20307&quot; value=&quot;528&quot;/&gt;&lt;/object&gt;&lt;object type=&quot;3&quot; unique_id=&quot;11479&quot;&gt;&lt;property id=&quot;20148&quot; value=&quot;5&quot;/&gt;&lt;property id=&quot;20300&quot; value=&quot;Slide 23 - &amp;quot;Problem Definition&amp;quot;&quot;/&gt;&lt;property id=&quot;20307&quot; value=&quot;519&quot;/&gt;&lt;/object&gt;&lt;object type=&quot;3&quot; unique_id=&quot;11480&quot;&gt;&lt;property id=&quot;20148&quot; value=&quot;5&quot;/&gt;&lt;property id=&quot;20300&quot; value=&quot;Slide 24 - &amp;quot;Research Objectives&amp;quot;&quot;/&gt;&lt;property id=&quot;20307&quot; value=&quot;518&quot;/&gt;&lt;/object&gt;&lt;object type=&quot;3&quot; unique_id=&quot;11481&quot;&gt;&lt;property id=&quot;20148&quot; value=&quot;5&quot;/&gt;&lt;property id=&quot;20300&quot; value=&quot;Slide 25 - &amp;quot;Research Objectives 1&amp;quot;&quot;/&gt;&lt;property id=&quot;20307&quot; value=&quot;520&quot;/&gt;&lt;/object&gt;&lt;object type=&quot;3&quot; unique_id=&quot;11482&quot;&gt;&lt;property id=&quot;20148&quot; value=&quot;5&quot;/&gt;&lt;property id=&quot;20300&quot; value=&quot;Slide 26 - &amp;quot;Research Objectives 2&amp;quot;&quot;/&gt;&lt;property id=&quot;20307&quot; value=&quot;530&quot;/&gt;&lt;/object&gt;&lt;object type=&quot;3&quot; unique_id=&quot;11483&quot;&gt;&lt;property id=&quot;20148&quot; value=&quot;5&quot;/&gt;&lt;property id=&quot;20300&quot; value=&quot;Slide 27 - &amp;quot;Research Objectives 3&amp;quot;&quot;/&gt;&lt;property id=&quot;20307&quot; value=&quot;531&quot;/&gt;&lt;/object&gt;&lt;object type=&quot;3&quot; unique_id=&quot;11484&quot;&gt;&lt;property id=&quot;20148&quot; value=&quot;5&quot;/&gt;&lt;property id=&quot;20300&quot; value=&quot;Slide 28 - &amp;quot;Architecture for Big Data Analytics&amp;quot;&quot;/&gt;&lt;property id=&quot;20307&quot; value=&quot;522&quot;/&gt;&lt;/object&gt;&lt;object type=&quot;3&quot; unique_id=&quot;11485&quot;&gt;&lt;property id=&quot;20148&quot; value=&quot;5&quot;/&gt;&lt;property id=&quot;20300&quot; value=&quot;Slide 50 - &amp;quot;Key Contributions&amp;quot;&quot;/&gt;&lt;property id=&quot;20307&quot; value=&quot;523&quot;/&gt;&lt;/object&gt;&lt;object type=&quot;3&quot; unique_id=&quot;11486&quot;&gt;&lt;property id=&quot;20148&quot; value=&quot;5&quot;/&gt;&lt;property id=&quot;20300&quot; value=&quot;Slide 51 - &amp;quot;Key Contributions&amp;quot;&quot;/&gt;&lt;property id=&quot;20307&quot; value=&quot;529&quot;/&gt;&lt;/object&gt;&lt;object type=&quot;3&quot; unique_id=&quot;11487&quot;&gt;&lt;property id=&quot;20148&quot; value=&quot;5&quot;/&gt;&lt;property id=&quot;20300&quot; value=&quot;Slide 52 - &amp;quot;Future Scope&amp;quot;&quot;/&gt;&lt;property id=&quot;20307&quot; value=&quot;524&quot;/&gt;&lt;/object&gt;&lt;object type=&quot;3&quot; unique_id=&quot;11488&quot;&gt;&lt;property id=&quot;20148&quot; value=&quot;5&quot;/&gt;&lt;property id=&quot;20300&quot; value=&quot;Slide 53 - &amp;quot;List of Publications&amp;quot;&quot;/&gt;&lt;property id=&quot;20307&quot; value=&quot;525&quot;/&gt;&lt;/object&gt;&lt;object type=&quot;3&quot; unique_id=&quot;11489&quot;&gt;&lt;property id=&quot;20148&quot; value=&quot;5&quot;/&gt;&lt;property id=&quot;20300&quot; value=&quot;Slide 54 - &amp;quot;References&amp;quot;&quot;/&gt;&lt;property id=&quot;20307&quot; value=&quot;526&quot;/&gt;&lt;/object&gt;&lt;object type=&quot;3&quot; unique_id=&quot;12645&quot;&gt;&lt;property id=&quot;20148&quot; value=&quot;5&quot;/&gt;&lt;property id=&quot;20300&quot; value=&quot;Slide 31&quot;/&gt;&lt;property id=&quot;20307&quot; value=&quot;533&quot;/&gt;&lt;/object&gt;&lt;object type=&quot;3&quot; unique_id=&quot;12646&quot;&gt;&lt;property id=&quot;20148&quot; value=&quot;5&quot;/&gt;&lt;property id=&quot;20300&quot; value=&quot;Slide 32&quot;/&gt;&lt;property id=&quot;20307&quot; value=&quot;534&quot;/&gt;&lt;/object&gt;&lt;object type=&quot;3&quot; unique_id=&quot;12647&quot;&gt;&lt;property id=&quot;20148&quot; value=&quot;5&quot;/&gt;&lt;property id=&quot;20300&quot; value=&quot;Slide 33&quot;/&gt;&lt;property id=&quot;20307&quot; value=&quot;535&quot;/&gt;&lt;/object&gt;&lt;object type=&quot;3&quot; unique_id=&quot;13251&quot;&gt;&lt;property id=&quot;20148&quot; value=&quot;5&quot;/&gt;&lt;property id=&quot;20300&quot; value=&quot;Slide 29 - &amp;quot;Data Preparation&amp;quot;&quot;/&gt;&lt;property id=&quot;20307&quot; value=&quot;537&quot;/&gt;&lt;/object&gt;&lt;object type=&quot;3&quot; unique_id=&quot;13252&quot;&gt;&lt;property id=&quot;20148&quot; value=&quot;5&quot;/&gt;&lt;property id=&quot;20300&quot; value=&quot;Slide 30 - &amp;quot;Functional Flow of Malware Trend Analysis&amp;quot;&quot;/&gt;&lt;property id=&quot;20307&quot; value=&quot;536&quot;/&gt;&lt;/object&gt;&lt;object type=&quot;3&quot; unique_id=&quot;13253&quot;&gt;&lt;property id=&quot;20148&quot; value=&quot;5&quot;/&gt;&lt;property id=&quot;20300&quot; value=&quot;Slide 34 - &amp;quot;Conclusion&amp;quot;&quot;/&gt;&lt;property id=&quot;20307&quot; value=&quot;538&quot;/&gt;&lt;/object&gt;&lt;object type=&quot;3&quot; unique_id=&quot;14250&quot;&gt;&lt;property id=&quot;20148&quot; value=&quot;5&quot;/&gt;&lt;property id=&quot;20300&quot; value=&quot;Slide 16 - &amp;quot;Comparison of open source big data stream processing frameworks&amp;quot;&quot;/&gt;&lt;property id=&quot;20307&quot; value=&quot;542&quot;/&gt;&lt;/object&gt;&lt;object type=&quot;3&quot; unique_id=&quot;14251&quot;&gt;&lt;property id=&quot;20148&quot; value=&quot;5&quot;/&gt;&lt;property id=&quot;20300&quot; value=&quot;Slide 17 - &amp;quot;Comparison of open source big data stream processing frameworks&amp;quot;&quot;/&gt;&lt;property id=&quot;20307&quot; value=&quot;545&quot;/&gt;&lt;/object&gt;&lt;object type=&quot;3&quot; unique_id=&quot;15004&quot;&gt;&lt;property id=&quot;20148&quot; value=&quot;5&quot;/&gt;&lt;property id=&quot;20300&quot; value=&quot;Slide 18 - &amp;quot;Malware Detection and Classification Techniques&amp;quot;&quot;/&gt;&lt;property id=&quot;20307&quot; value=&quot;548&quot;/&gt;&lt;/object&gt;&lt;object type=&quot;3&quot; unique_id=&quot;15005&quot;&gt;&lt;property id=&quot;20148&quot; value=&quot;5&quot;/&gt;&lt;property id=&quot;20300&quot; value=&quot;Slide 19 - &amp;quot;Malware Detection and Classification Techniques&amp;quot;&quot;/&gt;&lt;property id=&quot;20307&quot; value=&quot;549&quot;/&gt;&lt;/object&gt;&lt;object type=&quot;3&quot; unique_id=&quot;15006&quot;&gt;&lt;property id=&quot;20148&quot; value=&quot;5&quot;/&gt;&lt;property id=&quot;20300&quot; value=&quot;Slide 20 - &amp;quot;Malware Detection and Classification Techniques&amp;quot;&quot;/&gt;&lt;property id=&quot;20307&quot; value=&quot;550&quot;/&gt;&lt;/object&gt;&lt;object type=&quot;3&quot; unique_id=&quot;15624&quot;&gt;&lt;property id=&quot;20148&quot; value=&quot;5&quot;/&gt;&lt;property id=&quot;20300&quot; value=&quot;Slide 12 - &amp;quot;Literature Review&amp;quot;&quot;/&gt;&lt;property id=&quot;20307&quot; value=&quot;552&quot;/&gt;&lt;/object&gt;&lt;object type=&quot;3&quot; unique_id=&quot;15625&quot;&gt;&lt;property id=&quot;20148&quot; value=&quot;5&quot;/&gt;&lt;property id=&quot;20300&quot; value=&quot;Slide 13 - &amp;quot;A bibliometric study of relevant literature in academics/industry&amp;quot;&quot;/&gt;&lt;property id=&quot;20307&quot; value=&quot;553&quot;/&gt;&lt;/object&gt;&lt;object type=&quot;3&quot; unique_id=&quot;15626&quot;&gt;&lt;property id=&quot;20148&quot; value=&quot;5&quot;/&gt;&lt;property id=&quot;20300&quot; value=&quot;Slide 14 - &amp;quot;Literature Review&amp;quot;&quot;/&gt;&lt;property id=&quot;20307&quot; value=&quot;551&quot;/&gt;&lt;/object&gt;&lt;object type=&quot;3&quot; unique_id=&quot;15627&quot;&gt;&lt;property id=&quot;20148&quot; value=&quot;5&quot;/&gt;&lt;property id=&quot;20300&quot; value=&quot;Slide 15 - &amp;quot;Comparison of open source big data stream processing frameworks&amp;quot;&quot;/&gt;&lt;property id=&quot;20307&quot; value=&quot;556&quot;/&gt;&lt;/object&gt;&lt;object type=&quot;3&quot; unique_id=&quot;16029&quot;&gt;&lt;property id=&quot;20148&quot; value=&quot;5&quot;/&gt;&lt;property id=&quot;20300&quot; value=&quot;Slide 35 - &amp;quot;Big Data Framework for Zero-Day Malware Classification&amp;quot;&quot;/&gt;&lt;property id=&quot;20307&quot; value=&quot;557&quot;/&gt;&lt;/object&gt;&lt;object type=&quot;3&quot; unique_id=&quot;16030&quot;&gt;&lt;property id=&quot;20148&quot; value=&quot;5&quot;/&gt;&lt;property id=&quot;20300&quot; value=&quot;Slide 42 - &amp;quot;Improving Malware Detection using Big Data and EL&amp;quot;&quot;/&gt;&lt;property id=&quot;20307&quot; value=&quot;558&quot;/&gt;&lt;/object&gt;&lt;object type=&quot;3&quot; unique_id=&quot;16031&quot;&gt;&lt;property id=&quot;20148&quot; value=&quot;5&quot;/&gt;&lt;property id=&quot;20300&quot; value=&quot;Slide 49 - &amp;quot;Malware Classification using Big Data and Deep Neural Network&amp;quot;&quot;/&gt;&lt;property id=&quot;20307&quot; value=&quot;559&quot;/&gt;&lt;/object&gt;&lt;object type=&quot;3&quot; unique_id=&quot;16282&quot;&gt;&lt;property id=&quot;20148&quot; value=&quot;5&quot;/&gt;&lt;property id=&quot;20300&quot; value=&quot;Slide 44 - &amp;quot;Proposed Schemes&amp;quot;&quot;/&gt;&lt;property id=&quot;20307&quot; value=&quot;560&quot;/&gt;&lt;/object&gt;&lt;object type=&quot;3&quot; unique_id=&quot;16872&quot;&gt;&lt;property id=&quot;20148&quot; value=&quot;5&quot;/&gt;&lt;property id=&quot;20300&quot; value=&quot;Slide 43 - &amp;quot;Feature Vectorization&amp;quot;&quot;/&gt;&lt;property id=&quot;20307&quot; value=&quot;562&quot;/&gt;&lt;/object&gt;&lt;object type=&quot;3&quot; unique_id=&quot;16873&quot;&gt;&lt;property id=&quot;20148&quot; value=&quot;5&quot;/&gt;&lt;property id=&quot;20300&quot; value=&quot;Slide 45 - &amp;quot;Experimental Results and Evaluation&amp;quot;&quot;/&gt;&lt;property id=&quot;20307&quot; value=&quot;561&quot;/&gt;&lt;/object&gt;&lt;object type=&quot;3&quot; unique_id=&quot;16874&quot;&gt;&lt;property id=&quot;20148&quot; value=&quot;5&quot;/&gt;&lt;property id=&quot;20300&quot; value=&quot;Slide 46 - &amp;quot;Evaluation Results&amp;quot;&quot;/&gt;&lt;property id=&quot;20307&quot; value=&quot;563&quot;/&gt;&lt;/object&gt;&lt;object type=&quot;3&quot; unique_id=&quot;16875&quot;&gt;&lt;property id=&quot;20148&quot; value=&quot;5&quot;/&gt;&lt;property id=&quot;20300&quot; value=&quot;Slide 47 - &amp;quot;Evaluation Results&amp;quot;&quot;/&gt;&lt;property id=&quot;20307&quot; value=&quot;564&quot;/&gt;&lt;/object&gt;&lt;object type=&quot;3&quot; unique_id=&quot;16876&quot;&gt;&lt;property id=&quot;20148&quot; value=&quot;5&quot;/&gt;&lt;property id=&quot;20300&quot; value=&quot;Slide 48 - &amp;quot;Conclusion&amp;quot;&quot;/&gt;&lt;property id=&quot;20307&quot; value=&quot;565&quot;/&gt;&lt;/object&gt;&lt;object type=&quot;3&quot; unique_id=&quot;17661&quot;&gt;&lt;property id=&quot;20148&quot; value=&quot;5&quot;/&gt;&lt;property id=&quot;20300&quot; value=&quot;Slide 36 - &amp;quot;Data Preparation&amp;quot;&quot;/&gt;&lt;property id=&quot;20307&quot; value=&quot;566&quot;/&gt;&lt;/object&gt;&lt;object type=&quot;3&quot; unique_id=&quot;17662&quot;&gt;&lt;property id=&quot;20148&quot; value=&quot;5&quot;/&gt;&lt;property id=&quot;20300&quot; value=&quot;Slide 37 - &amp;quot;Big Data Framework for Malware Classification&amp;quot;&quot;/&gt;&lt;property id=&quot;20307&quot; value=&quot;568&quot;/&gt;&lt;/object&gt;&lt;object type=&quot;3&quot; unique_id=&quot;17663&quot;&gt;&lt;property id=&quot;20148&quot; value=&quot;5&quot;/&gt;&lt;property id=&quot;20300&quot; value=&quot;Slide 38 - &amp;quot;Feature Extraction&amp;quot;&quot;/&gt;&lt;property id=&quot;20307&quot; value=&quot;571&quot;/&gt;&lt;/object&gt;&lt;object type=&quot;3&quot; unique_id=&quot;17664&quot;&gt;&lt;property id=&quot;20148&quot; value=&quot;5&quot;/&gt;&lt;property id=&quot;20300&quot; value=&quot;Slide 39 - &amp;quot;Impact of Features on Malware Classification&amp;quot;&quot;/&gt;&lt;property id=&quot;20307&quot; value=&quot;569&quot;/&gt;&lt;/object&gt;&lt;object type=&quot;3&quot; unique_id=&quot;17665&quot;&gt;&lt;property id=&quot;20148&quot; value=&quot;5&quot;/&gt;&lt;property id=&quot;20300&quot; value=&quot;Slide 40 - &amp;quot;Experimental Results&amp;quot;&quot;/&gt;&lt;property id=&quot;20307&quot; value=&quot;570&quot;/&gt;&lt;/object&gt;&lt;object type=&quot;3&quot; unique_id=&quot;18034&quot;&gt;&lt;property id=&quot;20148&quot; value=&quot;5&quot;/&gt;&lt;property id=&quot;20300&quot; value=&quot;Slide 41 - &amp;quot;Conclusion&amp;quot;&quot;/&gt;&lt;property id=&quot;20307&quot; value=&quot;572&quot;/&gt;&lt;/object&gt;&lt;object type=&quot;3&quot; unique_id=&quot;20918&quot;&gt;&lt;property id=&quot;20148&quot; value=&quot;5&quot;/&gt;&lt;property id=&quot;20300&quot; value=&quot;Slide 9 - &amp;quot;Scalable Machine Learning Libraries&amp;quot;&quot;/&gt;&lt;property id=&quot;20307&quot; value=&quot;575&quot;/&gt;&lt;/object&gt;&lt;object type=&quot;3&quot; unique_id=&quot;20919&quot;&gt;&lt;property id=&quot;20148&quot; value=&quot;5&quot;/&gt;&lt;property id=&quot;20300&quot; value=&quot;Slide 10 - &amp;quot;High Level Conceptual Architecture of Big Data Security Analytics&amp;quot;&quot;/&gt;&lt;property id=&quot;20307&quot; value=&quot;576&quot;/&gt;&lt;/object&gt;&lt;/object&gt;&lt;object type=&quot;8&quot; unique_id=&quot;10430&quot;&gt;&lt;/object&gt;&lt;/object&gt;&lt;/database&gt;"/>
